--- a/Lecture/Lecture 31/Lecture 31.pptx
+++ b/Lecture/Lecture 31/Lecture 31.pptx
@@ -308,7 +308,7 @@
               <a:pPr>
                 <a:defRPr/>
               </a:pPr>
-              <a:t>11/25/2018</a:t>
+              <a:t>12/3/2018</a:t>
             </a:fld>
             <a:endParaRPr lang="en-US" dirty="0"/>
           </a:p>
@@ -520,7 +520,7 @@
               <a:pPr>
                 <a:defRPr/>
               </a:pPr>
-              <a:t>11/25/2018</a:t>
+              <a:t>12/3/2018</a:t>
             </a:fld>
             <a:endParaRPr lang="en-US" dirty="0"/>
           </a:p>
@@ -1129,7 +1129,7 @@
               <a:pPr>
                 <a:defRPr/>
               </a:pPr>
-              <a:t>11/25/2018</a:t>
+              <a:t>12/3/2018</a:t>
             </a:fld>
             <a:endParaRPr lang="en-US" dirty="0"/>
           </a:p>
@@ -1319,7 +1319,7 @@
               <a:pPr>
                 <a:defRPr/>
               </a:pPr>
-              <a:t>11/25/2018</a:t>
+              <a:t>12/3/2018</a:t>
             </a:fld>
             <a:endParaRPr lang="en-US" dirty="0"/>
           </a:p>
@@ -1519,7 +1519,7 @@
               <a:pPr>
                 <a:defRPr/>
               </a:pPr>
-              <a:t>11/25/2018</a:t>
+              <a:t>12/3/2018</a:t>
             </a:fld>
             <a:endParaRPr lang="en-US" dirty="0"/>
           </a:p>
@@ -1787,7 +1787,7 @@
               <a:pPr>
                 <a:defRPr/>
               </a:pPr>
-              <a:t>11/25/2018</a:t>
+              <a:t>12/3/2018</a:t>
             </a:fld>
             <a:endParaRPr lang="en-US" dirty="0">
               <a:solidFill>
@@ -2001,7 +2001,7 @@
               <a:pPr>
                 <a:defRPr/>
               </a:pPr>
-              <a:t>11/25/2018</a:t>
+              <a:t>12/3/2018</a:t>
             </a:fld>
             <a:endParaRPr lang="en-US" dirty="0">
               <a:solidFill>
@@ -2292,7 +2292,7 @@
               <a:pPr>
                 <a:defRPr/>
               </a:pPr>
-              <a:t>11/25/2018</a:t>
+              <a:t>12/3/2018</a:t>
             </a:fld>
             <a:endParaRPr lang="en-US" dirty="0">
               <a:solidFill>
@@ -2623,7 +2623,7 @@
               <a:pPr>
                 <a:defRPr/>
               </a:pPr>
-              <a:t>11/25/2018</a:t>
+              <a:t>12/3/2018</a:t>
             </a:fld>
             <a:endParaRPr lang="en-US" dirty="0">
               <a:solidFill>
@@ -3088,7 +3088,7 @@
               <a:pPr>
                 <a:defRPr/>
               </a:pPr>
-              <a:t>11/25/2018</a:t>
+              <a:t>12/3/2018</a:t>
             </a:fld>
             <a:endParaRPr lang="en-US" dirty="0">
               <a:solidFill>
@@ -3251,7 +3251,7 @@
               <a:pPr>
                 <a:defRPr/>
               </a:pPr>
-              <a:t>11/25/2018</a:t>
+              <a:t>12/3/2018</a:t>
             </a:fld>
             <a:endParaRPr lang="en-US" dirty="0">
               <a:solidFill>
@@ -3392,7 +3392,7 @@
               <a:pPr>
                 <a:defRPr/>
               </a:pPr>
-              <a:t>11/25/2018</a:t>
+              <a:t>12/3/2018</a:t>
             </a:fld>
             <a:endParaRPr lang="en-US" dirty="0">
               <a:solidFill>
@@ -3713,7 +3713,7 @@
               <a:pPr>
                 <a:defRPr/>
               </a:pPr>
-              <a:t>11/25/2018</a:t>
+              <a:t>12/3/2018</a:t>
             </a:fld>
             <a:endParaRPr lang="en-US" dirty="0">
               <a:solidFill>
@@ -3921,7 +3921,7 @@
               <a:pPr>
                 <a:defRPr/>
               </a:pPr>
-              <a:t>11/25/2018</a:t>
+              <a:t>12/3/2018</a:t>
             </a:fld>
             <a:endParaRPr lang="en-US" dirty="0"/>
           </a:p>
@@ -4204,7 +4204,7 @@
               <a:pPr>
                 <a:defRPr/>
               </a:pPr>
-              <a:t>11/25/2018</a:t>
+              <a:t>12/3/2018</a:t>
             </a:fld>
             <a:endParaRPr lang="en-US" dirty="0">
               <a:solidFill>
@@ -4418,7 +4418,7 @@
               <a:pPr>
                 <a:defRPr/>
               </a:pPr>
-              <a:t>11/25/2018</a:t>
+              <a:t>12/3/2018</a:t>
             </a:fld>
             <a:endParaRPr lang="en-US" dirty="0">
               <a:solidFill>
@@ -4642,7 +4642,7 @@
               <a:pPr>
                 <a:defRPr/>
               </a:pPr>
-              <a:t>11/25/2018</a:t>
+              <a:t>12/3/2018</a:t>
             </a:fld>
             <a:endParaRPr lang="en-US" dirty="0">
               <a:solidFill>
@@ -4852,7 +4852,7 @@
               <a:pPr>
                 <a:defRPr/>
               </a:pPr>
-              <a:t>11/25/2018</a:t>
+              <a:t>12/3/2018</a:t>
             </a:fld>
             <a:endParaRPr lang="en-US" dirty="0">
               <a:solidFill>
@@ -5129,7 +5129,7 @@
               <a:pPr>
                 <a:defRPr/>
               </a:pPr>
-              <a:t>11/25/2018</a:t>
+              <a:t>12/3/2018</a:t>
             </a:fld>
             <a:endParaRPr lang="en-US" dirty="0"/>
           </a:p>
@@ -5436,7 +5436,7 @@
               <a:pPr>
                 <a:defRPr/>
               </a:pPr>
-              <a:t>11/25/2018</a:t>
+              <a:t>12/3/2018</a:t>
             </a:fld>
             <a:endParaRPr lang="en-US" dirty="0"/>
           </a:p>
@@ -5877,7 +5877,7 @@
               <a:pPr>
                 <a:defRPr/>
               </a:pPr>
-              <a:t>11/25/2018</a:t>
+              <a:t>12/3/2018</a:t>
             </a:fld>
             <a:endParaRPr lang="en-US" dirty="0"/>
           </a:p>
@@ -6016,7 +6016,7 @@
               <a:pPr>
                 <a:defRPr/>
               </a:pPr>
-              <a:t>11/25/2018</a:t>
+              <a:t>12/3/2018</a:t>
             </a:fld>
             <a:endParaRPr lang="en-US" dirty="0"/>
           </a:p>
@@ -6133,7 +6133,7 @@
               <a:pPr>
                 <a:defRPr/>
               </a:pPr>
-              <a:t>11/25/2018</a:t>
+              <a:t>12/3/2018</a:t>
             </a:fld>
             <a:endParaRPr lang="en-US" dirty="0"/>
           </a:p>
@@ -6430,7 +6430,7 @@
               <a:pPr>
                 <a:defRPr/>
               </a:pPr>
-              <a:t>11/25/2018</a:t>
+              <a:t>12/3/2018</a:t>
             </a:fld>
             <a:endParaRPr lang="en-US" dirty="0"/>
           </a:p>
@@ -6707,7 +6707,7 @@
               <a:pPr>
                 <a:defRPr/>
               </a:pPr>
-              <a:t>11/25/2018</a:t>
+              <a:t>12/3/2018</a:t>
             </a:fld>
             <a:endParaRPr lang="en-US" dirty="0"/>
           </a:p>
@@ -6964,7 +6964,7 @@
               <a:pPr>
                 <a:defRPr/>
               </a:pPr>
-              <a:t>11/25/2018</a:t>
+              <a:t>12/3/2018</a:t>
             </a:fld>
             <a:endParaRPr lang="en-US" dirty="0"/>
           </a:p>
@@ -7674,7 +7674,7 @@
               <a:pPr>
                 <a:defRPr/>
               </a:pPr>
-              <a:t>11/25/2018</a:t>
+              <a:t>12/3/2018</a:t>
             </a:fld>
             <a:endParaRPr lang="en-US" dirty="0">
               <a:solidFill>
@@ -12889,8 +12889,8 @@
           <a:chExt cx="0" cy="0"/>
         </a:xfrm>
       </p:grpSpPr>
-      <mc:AlternateContent xmlns:mc="http://schemas.openxmlformats.org/markup-compatibility/2006">
-        <mc:Choice xmlns:a14="http://schemas.microsoft.com/office/drawing/2010/main" Requires="a14">
+      <mc:AlternateContent xmlns:mc="http://schemas.openxmlformats.org/markup-compatibility/2006" xmlns:a14="http://schemas.microsoft.com/office/drawing/2010/main">
+        <mc:Choice Requires="a14">
           <p:sp>
             <p:nvSpPr>
               <p:cNvPr id="6" name="TextBox 5">
@@ -13170,7 +13170,7 @@
             </p:txBody>
           </p:sp>
         </mc:Choice>
-        <mc:Fallback>
+        <mc:Fallback xmlns="">
           <p:sp>
             <p:nvSpPr>
               <p:cNvPr id="6" name="TextBox 5">
@@ -18105,7 +18105,7 @@
               <a:p>
                 <a:r>
                   <a:rPr lang="en-US" sz="2000" dirty="0"/>
-                  <a:t>Best: </a:t>
+                  <a:t>Best:</a:t>
                 </a:r>
                 <a14:m>
                   <m:oMath xmlns:m="http://schemas.openxmlformats.org/officeDocument/2006/math">
@@ -18116,7 +18116,7 @@
                         </a:solidFill>
                         <a:latin typeface="Cambria Math" panose="02040503050406030204" pitchFamily="18" charset="0"/>
                       </a:rPr>
-                      <m:t>𝜆</m:t>
+                      <m:t>𝛼</m:t>
                     </m:r>
                     <m:r>
                       <a:rPr lang="en-US" sz="2000" b="0" i="0" smtClean="0">
@@ -18128,13 +18128,13 @@
                       <m:t>=1 &amp; </m:t>
                     </m:r>
                     <m:r>
-                      <a:rPr lang="en-US" sz="2000" b="0" i="1" smtClean="0">
+                      <a:rPr lang="en-US" sz="2000" i="1">
                         <a:solidFill>
                           <a:srgbClr val="404040"/>
                         </a:solidFill>
                         <a:latin typeface="Cambria Math" panose="02040503050406030204" pitchFamily="18" charset="0"/>
                       </a:rPr>
-                      <m:t>𝛼</m:t>
+                      <m:t>𝜆</m:t>
                     </m:r>
                     <m:r>
                       <a:rPr lang="en-US" sz="2000" b="0" i="1" smtClean="0">
